--- a/content/posts/Calculate the availability and SLA for your Azure solution/Availability.pptx
+++ b/content/posts/Calculate the availability and SLA for your Azure solution/Availability.pptx
@@ -104,6 +104,11 @@
       </a:defRPr>
     </a:lvl9pPr>
   </p:defaultTextStyle>
+  <p:extLst>
+    <p:ext uri="{EFAFB233-063F-42B5-8137-9DF3F51BA10A}">
+      <p15:sldGuideLst xmlns:p15="http://schemas.microsoft.com/office/powerpoint/2012/main"/>
+    </p:ext>
+  </p:extLst>
 </p:presentation>
 </file>
 
@@ -254,7 +259,7 @@
           <a:p>
             <a:fld id="{F83B2735-2CB1-4E55-BA62-A6AC1AB95924}" type="datetimeFigureOut">
               <a:rPr lang="en-US" smtClean="0"/>
-              <a:t>6/9/2020</a:t>
+              <a:t>4/4/2023</a:t>
             </a:fld>
             <a:endParaRPr lang="en-US"/>
           </a:p>
@@ -452,7 +457,7 @@
           <a:p>
             <a:fld id="{F83B2735-2CB1-4E55-BA62-A6AC1AB95924}" type="datetimeFigureOut">
               <a:rPr lang="en-US" smtClean="0"/>
-              <a:t>6/9/2020</a:t>
+              <a:t>4/4/2023</a:t>
             </a:fld>
             <a:endParaRPr lang="en-US"/>
           </a:p>
@@ -660,7 +665,7 @@
           <a:p>
             <a:fld id="{F83B2735-2CB1-4E55-BA62-A6AC1AB95924}" type="datetimeFigureOut">
               <a:rPr lang="en-US" smtClean="0"/>
-              <a:t>6/9/2020</a:t>
+              <a:t>4/4/2023</a:t>
             </a:fld>
             <a:endParaRPr lang="en-US"/>
           </a:p>
@@ -858,7 +863,7 @@
           <a:p>
             <a:fld id="{F83B2735-2CB1-4E55-BA62-A6AC1AB95924}" type="datetimeFigureOut">
               <a:rPr lang="en-US" smtClean="0"/>
-              <a:t>6/9/2020</a:t>
+              <a:t>4/4/2023</a:t>
             </a:fld>
             <a:endParaRPr lang="en-US"/>
           </a:p>
@@ -1133,7 +1138,7 @@
           <a:p>
             <a:fld id="{F83B2735-2CB1-4E55-BA62-A6AC1AB95924}" type="datetimeFigureOut">
               <a:rPr lang="en-US" smtClean="0"/>
-              <a:t>6/9/2020</a:t>
+              <a:t>4/4/2023</a:t>
             </a:fld>
             <a:endParaRPr lang="en-US"/>
           </a:p>
@@ -1398,7 +1403,7 @@
           <a:p>
             <a:fld id="{F83B2735-2CB1-4E55-BA62-A6AC1AB95924}" type="datetimeFigureOut">
               <a:rPr lang="en-US" smtClean="0"/>
-              <a:t>6/9/2020</a:t>
+              <a:t>4/4/2023</a:t>
             </a:fld>
             <a:endParaRPr lang="en-US"/>
           </a:p>
@@ -1810,7 +1815,7 @@
           <a:p>
             <a:fld id="{F83B2735-2CB1-4E55-BA62-A6AC1AB95924}" type="datetimeFigureOut">
               <a:rPr lang="en-US" smtClean="0"/>
-              <a:t>6/9/2020</a:t>
+              <a:t>4/4/2023</a:t>
             </a:fld>
             <a:endParaRPr lang="en-US"/>
           </a:p>
@@ -1951,7 +1956,7 @@
           <a:p>
             <a:fld id="{F83B2735-2CB1-4E55-BA62-A6AC1AB95924}" type="datetimeFigureOut">
               <a:rPr lang="en-US" smtClean="0"/>
-              <a:t>6/9/2020</a:t>
+              <a:t>4/4/2023</a:t>
             </a:fld>
             <a:endParaRPr lang="en-US"/>
           </a:p>
@@ -2064,7 +2069,7 @@
           <a:p>
             <a:fld id="{F83B2735-2CB1-4E55-BA62-A6AC1AB95924}" type="datetimeFigureOut">
               <a:rPr lang="en-US" smtClean="0"/>
-              <a:t>6/9/2020</a:t>
+              <a:t>4/4/2023</a:t>
             </a:fld>
             <a:endParaRPr lang="en-US"/>
           </a:p>
@@ -2375,7 +2380,7 @@
           <a:p>
             <a:fld id="{F83B2735-2CB1-4E55-BA62-A6AC1AB95924}" type="datetimeFigureOut">
               <a:rPr lang="en-US" smtClean="0"/>
-              <a:t>6/9/2020</a:t>
+              <a:t>4/4/2023</a:t>
             </a:fld>
             <a:endParaRPr lang="en-US"/>
           </a:p>
@@ -2663,7 +2668,7 @@
           <a:p>
             <a:fld id="{F83B2735-2CB1-4E55-BA62-A6AC1AB95924}" type="datetimeFigureOut">
               <a:rPr lang="en-US" smtClean="0"/>
-              <a:t>6/9/2020</a:t>
+              <a:t>4/4/2023</a:t>
             </a:fld>
             <a:endParaRPr lang="en-US"/>
           </a:p>
@@ -2904,7 +2909,7 @@
           <a:p>
             <a:fld id="{F83B2735-2CB1-4E55-BA62-A6AC1AB95924}" type="datetimeFigureOut">
               <a:rPr lang="en-US" smtClean="0"/>
-              <a:t>6/9/2020</a:t>
+              <a:t>4/4/2023</a:t>
             </a:fld>
             <a:endParaRPr lang="en-US"/>
           </a:p>
@@ -4272,7 +4277,7 @@
         <p:spPr>
           <a:xfrm>
             <a:off x="10307202" y="2818134"/>
-            <a:ext cx="1208985" cy="369332"/>
+            <a:ext cx="1465466" cy="369332"/>
           </a:xfrm>
           <a:prstGeom prst="rect">
             <a:avLst/>
@@ -4290,7 +4295,7 @@
                 <a:latin typeface="Segoe UI Semibold" panose="020B0702040204020203" pitchFamily="34" charset="0"/>
                 <a:cs typeface="Segoe UI Semibold" panose="020B0702040204020203" pitchFamily="34" charset="0"/>
               </a:rPr>
-              <a:t>99.9964%</a:t>
+              <a:t>99.999964%</a:t>
             </a:r>
           </a:p>
         </p:txBody>
@@ -4601,4 +4606,10 @@
     </a:ext>
   </a:extLst>
 </a:theme>
+</file>
+
+<file path=docMetadata/LabelInfo.xml><?xml version="1.0" encoding="utf-8"?>
+<clbl:labelList xmlns:clbl="http://schemas.microsoft.com/office/2020/mipLabelMetadata">
+  <clbl:label id="{f42aa342-8706-4288-bd11-ebb85995028c}" enabled="1" method="Standard" siteId="{72f988bf-86f1-41af-91ab-2d7cd011db47}" contentBits="0" removed="0"/>
+</clbl:labelList>
 </file>